--- a/Presentation/iot-smart-bowl-presentation.pptx
+++ b/Presentation/iot-smart-bowl-presentation.pptx
@@ -3444,6 +3444,103 @@
           </a:p>
         </p:txBody>
       </p:sp>
+      <p:sp>
+        <p:nvSpPr>
+          <p:cNvPr id="2" name="TextBox 1">
+            <a:extLst>
+              <a:ext uri="{FF2B5EF4-FFF2-40B4-BE49-F238E27FC236}">
+                <a16:creationId xmlns:a16="http://schemas.microsoft.com/office/drawing/2014/main" id="{F91DA71E-1544-8F67-7BE7-D504EFFC4103}"/>
+              </a:ext>
+            </a:extLst>
+          </p:cNvPr>
+          <p:cNvSpPr txBox="1"/>
+          <p:nvPr/>
+        </p:nvSpPr>
+        <p:spPr>
+          <a:xfrm>
+            <a:off x="363558" y="5409282"/>
+            <a:ext cx="5732442" cy="1200329"/>
+          </a:xfrm>
+          <a:prstGeom prst="rect">
+            <a:avLst/>
+          </a:prstGeom>
+          <a:noFill/>
+        </p:spPr>
+        <p:txBody>
+          <a:bodyPr wrap="square" rtlCol="0">
+            <a:spAutoFit/>
+          </a:bodyPr>
+          <a:lstStyle/>
+          <a:p>
+            <a:pPr algn="r"/>
+            <a:r>
+              <a:rPr lang="he-IL" sz="2400" dirty="0">
+                <a:solidFill>
+                  <a:schemeClr val="bg1"/>
+                </a:solidFill>
+              </a:rPr>
+              <a:t>לינק לסרטון:</a:t>
+            </a:r>
+            <a:br>
+              <a:rPr lang="en-US" sz="2400" dirty="0">
+                <a:solidFill>
+                  <a:schemeClr val="bg1"/>
+                </a:solidFill>
+              </a:rPr>
+            </a:br>
+            <a:r>
+              <a:rPr lang="en-US" sz="2400" dirty="0">
+                <a:solidFill>
+                  <a:schemeClr val="bg1"/>
+                </a:solidFill>
+                <a:hlinkClick r:id="rId4"/>
+              </a:rPr>
+              <a:t>https://</a:t>
+            </a:r>
+            <a:r>
+              <a:rPr lang="en-US" sz="2400" dirty="0" err="1">
+                <a:solidFill>
+                  <a:schemeClr val="bg1"/>
+                </a:solidFill>
+                <a:hlinkClick r:id="rId4"/>
+              </a:rPr>
+              <a:t>www.youtube.com</a:t>
+            </a:r>
+            <a:r>
+              <a:rPr lang="en-US" sz="2400" dirty="0">
+                <a:solidFill>
+                  <a:schemeClr val="bg1"/>
+                </a:solidFill>
+                <a:hlinkClick r:id="rId4"/>
+              </a:rPr>
+              <a:t>/</a:t>
+            </a:r>
+            <a:r>
+              <a:rPr lang="en-US" sz="2400" dirty="0" err="1">
+                <a:solidFill>
+                  <a:schemeClr val="bg1"/>
+                </a:solidFill>
+                <a:hlinkClick r:id="rId4"/>
+              </a:rPr>
+              <a:t>watch?v</a:t>
+            </a:r>
+            <a:r>
+              <a:rPr lang="en-US" sz="2400" dirty="0">
+                <a:solidFill>
+                  <a:schemeClr val="bg1"/>
+                </a:solidFill>
+                <a:hlinkClick r:id="rId4"/>
+              </a:rPr>
+              <a:t>=S5Sgx67XWTQ</a:t>
+            </a:r>
+            <a:endParaRPr lang="en-IL" sz="2400" dirty="0">
+              <a:solidFill>
+                <a:schemeClr val="bg1"/>
+              </a:solidFill>
+            </a:endParaRPr>
+          </a:p>
+        </p:txBody>
+      </p:sp>
     </p:spTree>
     <p:extLst>
       <p:ext uri="{BB962C8B-B14F-4D97-AF65-F5344CB8AC3E}">
